--- a/Final project presentation.pptx
+++ b/Final project presentation.pptx
@@ -105,7 +105,41 @@
       </a:defRPr>
     </a:lvl9pPr>
   </p:defaultTextStyle>
+  <p:extLst>
+    <p:ext uri="{EFAFB233-063F-42B5-8137-9DF3F51BA10A}">
+      <p15:sldGuideLst xmlns:p15="http://schemas.microsoft.com/office/powerpoint/2012/main"/>
+    </p:ext>
+  </p:extLst>
 </p:presentation>
+</file>
+
+<file path=ppt/changesInfos/changesInfo1.xml><?xml version="1.0" encoding="utf-8"?>
+<pc:chgInfo xmlns:a="http://schemas.openxmlformats.org/drawingml/2006/main" xmlns:r="http://schemas.openxmlformats.org/officeDocument/2006/relationships" xmlns:ac="http://schemas.microsoft.com/office/drawing/2013/main/command" xmlns:pc="http://schemas.microsoft.com/office/powerpoint/2013/main/command">
+  <pc:docChgLst>
+    <pc:chgData name="Rocky Owens" userId="57720726cf3eca6a" providerId="LiveId" clId="{773BAA7F-71A9-4319-BCB1-509E4C3B9DAB}"/>
+    <pc:docChg chg="modSld">
+      <pc:chgData name="Rocky Owens" userId="57720726cf3eca6a" providerId="LiveId" clId="{773BAA7F-71A9-4319-BCB1-509E4C3B9DAB}" dt="2023-05-31T23:01:57.281" v="1" actId="20577"/>
+      <pc:docMkLst>
+        <pc:docMk/>
+      </pc:docMkLst>
+      <pc:sldChg chg="modSp mod">
+        <pc:chgData name="Rocky Owens" userId="57720726cf3eca6a" providerId="LiveId" clId="{773BAA7F-71A9-4319-BCB1-509E4C3B9DAB}" dt="2023-05-31T23:01:57.281" v="1" actId="20577"/>
+        <pc:sldMkLst>
+          <pc:docMk/>
+          <pc:sldMk cId="1230903993" sldId="256"/>
+        </pc:sldMkLst>
+        <pc:spChg chg="mod">
+          <ac:chgData name="Rocky Owens" userId="57720726cf3eca6a" providerId="LiveId" clId="{773BAA7F-71A9-4319-BCB1-509E4C3B9DAB}" dt="2023-05-31T23:01:57.281" v="1" actId="20577"/>
+          <ac:spMkLst>
+            <pc:docMk/>
+            <pc:sldMk cId="1230903993" sldId="256"/>
+            <ac:spMk id="2" creationId="{09BDAD54-769F-72F4-91B4-C8A0BDD217A8}"/>
+          </ac:spMkLst>
+        </pc:spChg>
+      </pc:sldChg>
+    </pc:docChg>
+  </pc:docChgLst>
+</pc:chgInfo>
 </file>
 
 <file path=ppt/slideLayouts/slideLayout1.xml><?xml version="1.0" encoding="utf-8"?>
@@ -255,7 +289,7 @@
           <a:p>
             <a:fld id="{FE1FC8F1-A4BB-4214-B4AF-9C1F3F1255D1}" type="datetimeFigureOut">
               <a:rPr lang="en-US" smtClean="0"/>
-              <a:t>5/24/2023</a:t>
+              <a:t>5/31/2023</a:t>
             </a:fld>
             <a:endParaRPr lang="en-US"/>
           </a:p>
@@ -453,7 +487,7 @@
           <a:p>
             <a:fld id="{FE1FC8F1-A4BB-4214-B4AF-9C1F3F1255D1}" type="datetimeFigureOut">
               <a:rPr lang="en-US" smtClean="0"/>
-              <a:t>5/24/2023</a:t>
+              <a:t>5/31/2023</a:t>
             </a:fld>
             <a:endParaRPr lang="en-US"/>
           </a:p>
@@ -661,7 +695,7 @@
           <a:p>
             <a:fld id="{FE1FC8F1-A4BB-4214-B4AF-9C1F3F1255D1}" type="datetimeFigureOut">
               <a:rPr lang="en-US" smtClean="0"/>
-              <a:t>5/24/2023</a:t>
+              <a:t>5/31/2023</a:t>
             </a:fld>
             <a:endParaRPr lang="en-US"/>
           </a:p>
@@ -859,7 +893,7 @@
           <a:p>
             <a:fld id="{FE1FC8F1-A4BB-4214-B4AF-9C1F3F1255D1}" type="datetimeFigureOut">
               <a:rPr lang="en-US" smtClean="0"/>
-              <a:t>5/24/2023</a:t>
+              <a:t>5/31/2023</a:t>
             </a:fld>
             <a:endParaRPr lang="en-US"/>
           </a:p>
@@ -1134,7 +1168,7 @@
           <a:p>
             <a:fld id="{FE1FC8F1-A4BB-4214-B4AF-9C1F3F1255D1}" type="datetimeFigureOut">
               <a:rPr lang="en-US" smtClean="0"/>
-              <a:t>5/24/2023</a:t>
+              <a:t>5/31/2023</a:t>
             </a:fld>
             <a:endParaRPr lang="en-US"/>
           </a:p>
@@ -1399,7 +1433,7 @@
           <a:p>
             <a:fld id="{FE1FC8F1-A4BB-4214-B4AF-9C1F3F1255D1}" type="datetimeFigureOut">
               <a:rPr lang="en-US" smtClean="0"/>
-              <a:t>5/24/2023</a:t>
+              <a:t>5/31/2023</a:t>
             </a:fld>
             <a:endParaRPr lang="en-US"/>
           </a:p>
@@ -1811,7 +1845,7 @@
           <a:p>
             <a:fld id="{FE1FC8F1-A4BB-4214-B4AF-9C1F3F1255D1}" type="datetimeFigureOut">
               <a:rPr lang="en-US" smtClean="0"/>
-              <a:t>5/24/2023</a:t>
+              <a:t>5/31/2023</a:t>
             </a:fld>
             <a:endParaRPr lang="en-US"/>
           </a:p>
@@ -1952,7 +1986,7 @@
           <a:p>
             <a:fld id="{FE1FC8F1-A4BB-4214-B4AF-9C1F3F1255D1}" type="datetimeFigureOut">
               <a:rPr lang="en-US" smtClean="0"/>
-              <a:t>5/24/2023</a:t>
+              <a:t>5/31/2023</a:t>
             </a:fld>
             <a:endParaRPr lang="en-US"/>
           </a:p>
@@ -2065,7 +2099,7 @@
           <a:p>
             <a:fld id="{FE1FC8F1-A4BB-4214-B4AF-9C1F3F1255D1}" type="datetimeFigureOut">
               <a:rPr lang="en-US" smtClean="0"/>
-              <a:t>5/24/2023</a:t>
+              <a:t>5/31/2023</a:t>
             </a:fld>
             <a:endParaRPr lang="en-US"/>
           </a:p>
@@ -2376,7 +2410,7 @@
           <a:p>
             <a:fld id="{FE1FC8F1-A4BB-4214-B4AF-9C1F3F1255D1}" type="datetimeFigureOut">
               <a:rPr lang="en-US" smtClean="0"/>
-              <a:t>5/24/2023</a:t>
+              <a:t>5/31/2023</a:t>
             </a:fld>
             <a:endParaRPr lang="en-US"/>
           </a:p>
@@ -2664,7 +2698,7 @@
           <a:p>
             <a:fld id="{FE1FC8F1-A4BB-4214-B4AF-9C1F3F1255D1}" type="datetimeFigureOut">
               <a:rPr lang="en-US" smtClean="0"/>
-              <a:t>5/24/2023</a:t>
+              <a:t>5/31/2023</a:t>
             </a:fld>
             <a:endParaRPr lang="en-US"/>
           </a:p>
@@ -2905,7 +2939,7 @@
           <a:p>
             <a:fld id="{FE1FC8F1-A4BB-4214-B4AF-9C1F3F1255D1}" type="datetimeFigureOut">
               <a:rPr lang="en-US" smtClean="0"/>
-              <a:t>5/24/2023</a:t>
+              <a:t>5/31/2023</a:t>
             </a:fld>
             <a:endParaRPr lang="en-US"/>
           </a:p>
@@ -3390,35 +3424,6 @@
           </a:p>
         </p:txBody>
       </p:sp>
-      <p:pic>
-        <p:nvPicPr>
-          <p:cNvPr id="14" name="Picture 4" descr="Cardiogram">
-            <a:extLst>
-              <a:ext uri="{FF2B5EF4-FFF2-40B4-BE49-F238E27FC236}">
-                <a16:creationId xmlns:a16="http://schemas.microsoft.com/office/drawing/2014/main" id="{2924C160-6605-A45F-1BAE-F5B93A062510}"/>
-              </a:ext>
-            </a:extLst>
-          </p:cNvPr>
-          <p:cNvPicPr>
-            <a:picLocks noChangeAspect="1"/>
-          </p:cNvPicPr>
-          <p:nvPr/>
-        </p:nvPicPr>
-        <p:blipFill rotWithShape="1">
-          <a:blip r:embed="rId2"/>
-          <a:srcRect l="121" t="23103" r="8970"/>
-          <a:stretch/>
-        </p:blipFill>
-        <p:spPr>
-          <a:xfrm>
-            <a:off x="20" y="10"/>
-            <a:ext cx="12191981" cy="6857990"/>
-          </a:xfrm>
-          <a:prstGeom prst="rect">
-            <a:avLst/>
-          </a:prstGeom>
-        </p:spPr>
-      </p:pic>
       <p:sp>
         <p:nvSpPr>
           <p:cNvPr id="22" name="Rectangle 21">
@@ -3504,6 +3509,42 @@
           </a:p>
         </p:txBody>
       </p:sp>
+      <p:pic>
+        <p:nvPicPr>
+          <p:cNvPr id="5" name="Picture 4" descr="A picture containing person, clothing, human face, person">
+            <a:extLst>
+              <a:ext uri="{FF2B5EF4-FFF2-40B4-BE49-F238E27FC236}">
+                <a16:creationId xmlns:a16="http://schemas.microsoft.com/office/drawing/2014/main" id="{3B87B97F-1377-2AB5-AE78-03C510491F28}"/>
+              </a:ext>
+            </a:extLst>
+          </p:cNvPr>
+          <p:cNvPicPr>
+            <a:picLocks noChangeAspect="1"/>
+          </p:cNvPicPr>
+          <p:nvPr/>
+        </p:nvPicPr>
+        <p:blipFill>
+          <a:blip r:embed="rId2">
+            <a:extLst>
+              <a:ext uri="{28A0092B-C50C-407E-A947-70E740481C1C}">
+                <a14:useLocalDpi xmlns:a14="http://schemas.microsoft.com/office/drawing/2010/main" val="0"/>
+              </a:ext>
+            </a:extLst>
+          </a:blip>
+          <a:stretch>
+            <a:fillRect/>
+          </a:stretch>
+        </p:blipFill>
+        <p:spPr>
+          <a:xfrm>
+            <a:off x="0" y="5166"/>
+            <a:ext cx="12191999" cy="6852834"/>
+          </a:xfrm>
+          <a:prstGeom prst="rect">
+            <a:avLst/>
+          </a:prstGeom>
+        </p:spPr>
+      </p:pic>
       <p:sp>
         <p:nvSpPr>
           <p:cNvPr id="2" name="Title 1">
@@ -3534,8 +3575,16 @@
           <a:p>
             <a:pPr algn="l"/>
             <a:r>
-              <a:rPr lang="en-US" sz="6100"/>
-              <a:t>Predicting CardioVascular Disease in Framingham, MA</a:t>
+              <a:rPr lang="en-US" sz="6100" b="1" dirty="0"/>
+              <a:t>Predicting </a:t>
+            </a:r>
+            <a:r>
+              <a:rPr lang="en-US" sz="6100" b="1" dirty="0" err="1"/>
+              <a:t>CardioVascular</a:t>
+            </a:r>
+            <a:r>
+              <a:rPr lang="en-US" sz="6100" b="1" dirty="0"/>
+              <a:t> Disease in Framingham, MA</a:t>
             </a:r>
           </a:p>
         </p:txBody>
@@ -3635,15 +3684,39 @@
           <a:p>
             <a:pPr algn="l"/>
             <a:r>
-              <a:rPr lang="en-US" sz="1300"/>
+              <a:rPr lang="en-US" sz="1300" b="1" dirty="0"/>
               <a:t>Final Group Project 4</a:t>
             </a:r>
           </a:p>
           <a:p>
             <a:pPr algn="l"/>
             <a:r>
-              <a:rPr lang="en-US" sz="1300"/>
-              <a:t>Members: Chris Sharber, Alex Gorbulin, Aida Ndiongue, Rocky Owens</a:t>
+              <a:rPr lang="en-US" sz="1300" b="1" dirty="0"/>
+              <a:t>Members: Chris </a:t>
+            </a:r>
+            <a:r>
+              <a:rPr lang="en-US" sz="1300" b="1" dirty="0" err="1"/>
+              <a:t>Sharber</a:t>
+            </a:r>
+            <a:r>
+              <a:rPr lang="en-US" sz="1300" b="1" dirty="0"/>
+              <a:t>, Alex </a:t>
+            </a:r>
+            <a:r>
+              <a:rPr lang="en-US" sz="1300" b="1" dirty="0" err="1"/>
+              <a:t>Gorbulin</a:t>
+            </a:r>
+            <a:r>
+              <a:rPr lang="en-US" sz="1300" b="1" dirty="0"/>
+              <a:t>, Aida </a:t>
+            </a:r>
+            <a:r>
+              <a:rPr lang="en-US" sz="1300" b="1" dirty="0" err="1"/>
+              <a:t>Ndiongue</a:t>
+            </a:r>
+            <a:r>
+              <a:rPr lang="en-US" sz="1300" b="1" dirty="0"/>
+              <a:t>, Rocky Owens</a:t>
             </a:r>
           </a:p>
         </p:txBody>
